--- a/代码解析.pptx
+++ b/代码解析.pptx
@@ -262,7 +262,7 @@
           <a:p>
             <a:fld id="{58A93329-B403-5A46-875E-86F4ECE6A806}" type="datetimeFigureOut">
               <a:rPr kumimoji="1" lang="zh-CN" altLang="en-US" smtClean="0"/>
-              <a:t>2021/6/4</a:t>
+              <a:t>2021/7/1</a:t>
             </a:fld>
             <a:endParaRPr kumimoji="1" lang="zh-CN" altLang="en-US"/>
           </a:p>
@@ -460,7 +460,7 @@
           <a:p>
             <a:fld id="{58A93329-B403-5A46-875E-86F4ECE6A806}" type="datetimeFigureOut">
               <a:rPr kumimoji="1" lang="zh-CN" altLang="en-US" smtClean="0"/>
-              <a:t>2021/6/4</a:t>
+              <a:t>2021/7/1</a:t>
             </a:fld>
             <a:endParaRPr kumimoji="1" lang="zh-CN" altLang="en-US"/>
           </a:p>
@@ -668,7 +668,7 @@
           <a:p>
             <a:fld id="{58A93329-B403-5A46-875E-86F4ECE6A806}" type="datetimeFigureOut">
               <a:rPr kumimoji="1" lang="zh-CN" altLang="en-US" smtClean="0"/>
-              <a:t>2021/6/4</a:t>
+              <a:t>2021/7/1</a:t>
             </a:fld>
             <a:endParaRPr kumimoji="1" lang="zh-CN" altLang="en-US"/>
           </a:p>
@@ -866,7 +866,7 @@
           <a:p>
             <a:fld id="{58A93329-B403-5A46-875E-86F4ECE6A806}" type="datetimeFigureOut">
               <a:rPr kumimoji="1" lang="zh-CN" altLang="en-US" smtClean="0"/>
-              <a:t>2021/6/4</a:t>
+              <a:t>2021/7/1</a:t>
             </a:fld>
             <a:endParaRPr kumimoji="1" lang="zh-CN" altLang="en-US"/>
           </a:p>
@@ -1141,7 +1141,7 @@
           <a:p>
             <a:fld id="{58A93329-B403-5A46-875E-86F4ECE6A806}" type="datetimeFigureOut">
               <a:rPr kumimoji="1" lang="zh-CN" altLang="en-US" smtClean="0"/>
-              <a:t>2021/6/4</a:t>
+              <a:t>2021/7/1</a:t>
             </a:fld>
             <a:endParaRPr kumimoji="1" lang="zh-CN" altLang="en-US"/>
           </a:p>
@@ -1406,7 +1406,7 @@
           <a:p>
             <a:fld id="{58A93329-B403-5A46-875E-86F4ECE6A806}" type="datetimeFigureOut">
               <a:rPr kumimoji="1" lang="zh-CN" altLang="en-US" smtClean="0"/>
-              <a:t>2021/6/4</a:t>
+              <a:t>2021/7/1</a:t>
             </a:fld>
             <a:endParaRPr kumimoji="1" lang="zh-CN" altLang="en-US"/>
           </a:p>
@@ -1818,7 +1818,7 @@
           <a:p>
             <a:fld id="{58A93329-B403-5A46-875E-86F4ECE6A806}" type="datetimeFigureOut">
               <a:rPr kumimoji="1" lang="zh-CN" altLang="en-US" smtClean="0"/>
-              <a:t>2021/6/4</a:t>
+              <a:t>2021/7/1</a:t>
             </a:fld>
             <a:endParaRPr kumimoji="1" lang="zh-CN" altLang="en-US"/>
           </a:p>
@@ -1959,7 +1959,7 @@
           <a:p>
             <a:fld id="{58A93329-B403-5A46-875E-86F4ECE6A806}" type="datetimeFigureOut">
               <a:rPr kumimoji="1" lang="zh-CN" altLang="en-US" smtClean="0"/>
-              <a:t>2021/6/4</a:t>
+              <a:t>2021/7/1</a:t>
             </a:fld>
             <a:endParaRPr kumimoji="1" lang="zh-CN" altLang="en-US"/>
           </a:p>
@@ -2072,7 +2072,7 @@
           <a:p>
             <a:fld id="{58A93329-B403-5A46-875E-86F4ECE6A806}" type="datetimeFigureOut">
               <a:rPr kumimoji="1" lang="zh-CN" altLang="en-US" smtClean="0"/>
-              <a:t>2021/6/4</a:t>
+              <a:t>2021/7/1</a:t>
             </a:fld>
             <a:endParaRPr kumimoji="1" lang="zh-CN" altLang="en-US"/>
           </a:p>
@@ -2383,7 +2383,7 @@
           <a:p>
             <a:fld id="{58A93329-B403-5A46-875E-86F4ECE6A806}" type="datetimeFigureOut">
               <a:rPr kumimoji="1" lang="zh-CN" altLang="en-US" smtClean="0"/>
-              <a:t>2021/6/4</a:t>
+              <a:t>2021/7/1</a:t>
             </a:fld>
             <a:endParaRPr kumimoji="1" lang="zh-CN" altLang="en-US"/>
           </a:p>
@@ -2671,7 +2671,7 @@
           <a:p>
             <a:fld id="{58A93329-B403-5A46-875E-86F4ECE6A806}" type="datetimeFigureOut">
               <a:rPr kumimoji="1" lang="zh-CN" altLang="en-US" smtClean="0"/>
-              <a:t>2021/6/4</a:t>
+              <a:t>2021/7/1</a:t>
             </a:fld>
             <a:endParaRPr kumimoji="1" lang="zh-CN" altLang="en-US"/>
           </a:p>
@@ -2912,7 +2912,7 @@
           <a:p>
             <a:fld id="{58A93329-B403-5A46-875E-86F4ECE6A806}" type="datetimeFigureOut">
               <a:rPr kumimoji="1" lang="zh-CN" altLang="en-US" smtClean="0"/>
-              <a:t>2021/6/4</a:t>
+              <a:t>2021/7/1</a:t>
             </a:fld>
             <a:endParaRPr kumimoji="1" lang="zh-CN" altLang="en-US"/>
           </a:p>
@@ -11216,8 +11216,8 @@
         </p:nvSpPr>
         <p:spPr>
           <a:xfrm>
-            <a:off x="-9004" y="5493470"/>
-            <a:ext cx="2009734" cy="430887"/>
+            <a:off x="-69658" y="5493470"/>
+            <a:ext cx="2884110" cy="600164"/>
           </a:xfrm>
           <a:prstGeom prst="rect">
             <a:avLst/>
@@ -11232,12 +11232,513 @@
           <a:p>
             <a:r>
               <a:rPr kumimoji="1" lang="zh-CN" altLang="en-US" sz="1100"/>
-              <a:t>计算上升点和下降点</a:t>
+              <a:t>滤波中用到了一个</a:t>
+            </a:r>
+            <a:r>
+              <a:rPr kumimoji="1" lang="en" altLang="zh-CN" sz="1100"/>
+              <a:t>mAdaptiveThreshold</a:t>
+            </a:r>
+          </a:p>
+          <a:p>
+            <a:r>
+              <a:rPr kumimoji="1" lang="zh-CN" altLang="en-US" sz="1100"/>
+              <a:t>函数 做空间滤波，随后用到</a:t>
+            </a:r>
+            <a:r>
+              <a:rPr kumimoji="1" lang="en-US" altLang="zh-CN" sz="1100"/>
+              <a:t>getRaiseDnsce</a:t>
+            </a:r>
+            <a:r>
+              <a:rPr kumimoji="1" lang="zh-CN" altLang="en-US" sz="1100"/>
+              <a:t> 用来做上升沿和下降沿检测</a:t>
             </a:r>
             <a:endParaRPr kumimoji="1" lang="en-US" altLang="zh-CN" sz="1100"/>
           </a:p>
-          <a:p>
+        </p:txBody>
+      </p:sp>
+      <p:sp>
+        <p:nvSpPr>
+          <p:cNvPr id="22" name="文本框 21">
+            <a:extLst>
+              <a:ext uri="{FF2B5EF4-FFF2-40B4-BE49-F238E27FC236}">
+                <a16:creationId xmlns:a16="http://schemas.microsoft.com/office/drawing/2014/main" id="{B5239E56-DE83-6D4E-824D-BA77059ED7E8}"/>
+              </a:ext>
+            </a:extLst>
+          </p:cNvPr>
+          <p:cNvSpPr txBox="1"/>
+          <p:nvPr/>
+        </p:nvSpPr>
+        <p:spPr>
+          <a:xfrm>
+            <a:off x="-69658" y="6058049"/>
+            <a:ext cx="2765357" cy="938719"/>
+          </a:xfrm>
+          <a:prstGeom prst="rect">
+            <a:avLst/>
+          </a:prstGeom>
+          <a:noFill/>
+        </p:spPr>
+        <p:txBody>
+          <a:bodyPr wrap="square" rtlCol="0">
+            <a:spAutoFit/>
+          </a:bodyPr>
+          <a:lstStyle/>
+          <a:p>
+            <a:r>
+              <a:rPr kumimoji="1" lang="zh-CN" altLang="en-US" sz="1100"/>
+              <a:t>在</a:t>
+            </a:r>
+            <a:r>
+              <a:rPr kumimoji="1" lang="en-US" altLang="zh-CN" sz="1100"/>
+              <a:t>getRaiseDesce</a:t>
+            </a:r>
+            <a:r>
+              <a:rPr kumimoji="1" lang="zh-CN" altLang="en-US" sz="1100"/>
+              <a:t>中，利用</a:t>
+            </a:r>
+            <a:r>
+              <a:rPr kumimoji="1" lang="en-US" altLang="zh-CN" sz="1100"/>
+              <a:t>PEGDENUM</a:t>
+            </a:r>
+            <a:r>
+              <a:rPr kumimoji="1" lang="zh-CN" altLang="en-US" sz="1100"/>
+              <a:t>和</a:t>
+            </a:r>
+            <a:r>
+              <a:rPr kumimoji="1" lang="en-US" altLang="zh-CN" sz="1100"/>
+              <a:t>NEDGENUM</a:t>
+            </a:r>
+            <a:r>
+              <a:rPr kumimoji="1" lang="zh-CN" altLang="en-US" sz="1100"/>
+              <a:t>两个变量去控制存放符合条件的像素点坐标（</a:t>
+            </a:r>
+            <a:r>
+              <a:rPr kumimoji="1" lang="en-US" altLang="zh-CN" sz="1100"/>
+              <a:t>Pedge</a:t>
+            </a:r>
+            <a:r>
+              <a:rPr kumimoji="1" lang="zh-CN" altLang="en-US" sz="1100"/>
+              <a:t>和</a:t>
+            </a:r>
+            <a:r>
+              <a:rPr kumimoji="1" lang="en-US" altLang="zh-CN" sz="1100"/>
+              <a:t>Nedge</a:t>
+            </a:r>
+            <a:r>
+              <a:rPr kumimoji="1" lang="zh-CN" altLang="en-US" sz="1100"/>
+              <a:t>）然后利用</a:t>
+            </a:r>
+            <a:r>
+              <a:rPr kumimoji="1" lang="en-US" altLang="zh-CN" sz="1100"/>
+              <a:t>Data[DATANUM]</a:t>
+            </a:r>
+            <a:r>
+              <a:rPr kumimoji="1" lang="zh-CN" altLang="en-US" sz="1100"/>
+              <a:t>接受遍历信息</a:t>
+            </a:r>
             <a:endParaRPr kumimoji="1" lang="en-US" altLang="zh-CN" sz="1100"/>
+          </a:p>
+          <a:p>
+            <a:endParaRPr kumimoji="1" lang="en-US" altLang="zh-CN" sz="1100"/>
+          </a:p>
+        </p:txBody>
+      </p:sp>
+      <p:sp>
+        <p:nvSpPr>
+          <p:cNvPr id="23" name="文本框 22">
+            <a:extLst>
+              <a:ext uri="{FF2B5EF4-FFF2-40B4-BE49-F238E27FC236}">
+                <a16:creationId xmlns:a16="http://schemas.microsoft.com/office/drawing/2014/main" id="{2F37502D-DD08-834A-98E4-B1BA8B5E4A31}"/>
+              </a:ext>
+            </a:extLst>
+          </p:cNvPr>
+          <p:cNvSpPr txBox="1"/>
+          <p:nvPr/>
+        </p:nvSpPr>
+        <p:spPr>
+          <a:xfrm>
+            <a:off x="2956956" y="61853"/>
+            <a:ext cx="2765357" cy="769441"/>
+          </a:xfrm>
+          <a:prstGeom prst="rect">
+            <a:avLst/>
+          </a:prstGeom>
+          <a:noFill/>
+        </p:spPr>
+        <p:txBody>
+          <a:bodyPr wrap="square" rtlCol="0">
+            <a:spAutoFit/>
+          </a:bodyPr>
+          <a:lstStyle/>
+          <a:p>
+            <a:r>
+              <a:rPr lang="zh-CN" altLang="en" sz="1100"/>
+              <a:t>通过</a:t>
+            </a:r>
+            <a:r>
+              <a:rPr lang="en" altLang="zh-CN" sz="1100"/>
+              <a:t>AdaptiveFilterThreshold</a:t>
+            </a:r>
+            <a:r>
+              <a:rPr lang="zh-CN" altLang="en" sz="1100"/>
+              <a:t>处理</a:t>
+            </a:r>
+            <a:r>
+              <a:rPr lang="zh-CN" altLang="en-US" sz="1100"/>
+              <a:t>后得到二值图，然后根据</a:t>
+            </a:r>
+            <a:r>
+              <a:rPr lang="en-US" altLang="zh-CN" sz="1100"/>
+              <a:t>watchDog</a:t>
+            </a:r>
+            <a:r>
+              <a:rPr lang="zh-CN" altLang="en-US" sz="1100"/>
+              <a:t>的值进行处理</a:t>
+            </a:r>
+            <a:endParaRPr lang="en-US" altLang="zh-CN" sz="1100"/>
+          </a:p>
+          <a:p>
+            <a:r>
+              <a:rPr lang="zh-CN" altLang="en-US" sz="1100"/>
+              <a:t>清理标志和状态位后，进入检测最关键的函数</a:t>
+            </a:r>
+            <a:r>
+              <a:rPr lang="en-US" altLang="zh-CN" sz="1100"/>
+              <a:t>threeLaneInitVP</a:t>
+            </a:r>
+            <a:endParaRPr lang="en" altLang="zh-CN" sz="1100"/>
+          </a:p>
+        </p:txBody>
+      </p:sp>
+      <p:sp>
+        <p:nvSpPr>
+          <p:cNvPr id="24" name="文本框 23">
+            <a:extLst>
+              <a:ext uri="{FF2B5EF4-FFF2-40B4-BE49-F238E27FC236}">
+                <a16:creationId xmlns:a16="http://schemas.microsoft.com/office/drawing/2014/main" id="{3220986B-E1DB-D54F-AD14-74C3F00B1765}"/>
+              </a:ext>
+            </a:extLst>
+          </p:cNvPr>
+          <p:cNvSpPr txBox="1"/>
+          <p:nvPr/>
+        </p:nvSpPr>
+        <p:spPr>
+          <a:xfrm>
+            <a:off x="2956955" y="808509"/>
+            <a:ext cx="2765357" cy="938719"/>
+          </a:xfrm>
+          <a:prstGeom prst="rect">
+            <a:avLst/>
+          </a:prstGeom>
+          <a:noFill/>
+        </p:spPr>
+        <p:txBody>
+          <a:bodyPr wrap="square" rtlCol="0">
+            <a:spAutoFit/>
+          </a:bodyPr>
+          <a:lstStyle/>
+          <a:p>
+            <a:r>
+              <a:rPr lang="en-US" altLang="zh-CN" sz="1100"/>
+              <a:t>threeLaneInitVP</a:t>
+            </a:r>
+            <a:r>
+              <a:rPr lang="zh-CN" altLang="en-US" sz="1100"/>
+              <a:t>传入</a:t>
+            </a:r>
+            <a:r>
+              <a:rPr lang="en-US" altLang="zh-CN" sz="1100"/>
+              <a:t>img</a:t>
+            </a:r>
+            <a:r>
+              <a:rPr lang="zh-CN" altLang="en-US" sz="1100"/>
+              <a:t>，利用</a:t>
+            </a:r>
+            <a:r>
+              <a:rPr lang="en-US" altLang="zh-CN" sz="1100"/>
+              <a:t>PPA</a:t>
+            </a:r>
+            <a:r>
+              <a:rPr lang="zh-CN" altLang="en-US" sz="1100"/>
+              <a:t>和偏移先猜一个车道线的斜率，包括线</a:t>
+            </a:r>
+            <a:r>
+              <a:rPr lang="en-US" altLang="zh-CN" sz="1100"/>
+              <a:t>1</a:t>
+            </a:r>
+            <a:r>
+              <a:rPr lang="zh-CN" altLang="en-US" sz="1100"/>
+              <a:t>（左中右）和线</a:t>
+            </a:r>
+            <a:r>
+              <a:rPr lang="en-US" altLang="zh-CN" sz="1100"/>
+              <a:t>2</a:t>
+            </a:r>
+            <a:r>
+              <a:rPr lang="zh-CN" altLang="en-US" sz="1100"/>
+              <a:t>（左中右）</a:t>
+            </a:r>
+            <a:endParaRPr lang="en-US" altLang="zh-CN" sz="1100"/>
+          </a:p>
+          <a:p>
+            <a:r>
+              <a:rPr lang="zh-CN" altLang="en-US" sz="1100"/>
+              <a:t>然后利用</a:t>
+            </a:r>
+            <a:r>
+              <a:rPr lang="en-US" altLang="zh-CN" sz="1100"/>
+              <a:t>thetaAll</a:t>
+            </a:r>
+            <a:r>
+              <a:rPr lang="zh-CN" altLang="en-US" sz="1100"/>
+              <a:t>遍历</a:t>
+            </a:r>
+            <a:r>
+              <a:rPr lang="en-US" altLang="zh-CN" sz="1100"/>
+              <a:t>DATANUM</a:t>
+            </a:r>
+            <a:r>
+              <a:rPr lang="zh-CN" altLang="en-US" sz="1100"/>
+              <a:t>，接收</a:t>
+            </a:r>
+            <a:r>
+              <a:rPr lang="en-US" altLang="zh-CN" sz="1100"/>
+              <a:t>Data</a:t>
+            </a:r>
+            <a:r>
+              <a:rPr lang="zh-CN" altLang="en-US" sz="1100"/>
+              <a:t>，利用</a:t>
+            </a:r>
+            <a:r>
+              <a:rPr lang="en-US" altLang="zh-CN" sz="1100"/>
+              <a:t>thetaAll</a:t>
+            </a:r>
+            <a:r>
+              <a:rPr lang="zh-CN" altLang="en-US" sz="1100"/>
+              <a:t>进行检测。</a:t>
+            </a:r>
+            <a:endParaRPr lang="en" altLang="zh-CN" sz="1100"/>
+          </a:p>
+        </p:txBody>
+      </p:sp>
+      <p:sp>
+        <p:nvSpPr>
+          <p:cNvPr id="25" name="文本框 24">
+            <a:extLst>
+              <a:ext uri="{FF2B5EF4-FFF2-40B4-BE49-F238E27FC236}">
+                <a16:creationId xmlns:a16="http://schemas.microsoft.com/office/drawing/2014/main" id="{EC27777B-5D6C-884A-A89A-A8525F7DC9E5}"/>
+              </a:ext>
+            </a:extLst>
+          </p:cNvPr>
+          <p:cNvSpPr txBox="1"/>
+          <p:nvPr/>
+        </p:nvSpPr>
+        <p:spPr>
+          <a:xfrm>
+            <a:off x="2956955" y="1747228"/>
+            <a:ext cx="2765357" cy="600164"/>
+          </a:xfrm>
+          <a:prstGeom prst="rect">
+            <a:avLst/>
+          </a:prstGeom>
+          <a:noFill/>
+        </p:spPr>
+        <p:txBody>
+          <a:bodyPr wrap="square" rtlCol="0">
+            <a:spAutoFit/>
+          </a:bodyPr>
+          <a:lstStyle/>
+          <a:p>
+            <a:r>
+              <a:rPr lang="en-US" altLang="zh-CN" sz="1100"/>
+              <a:t>theta</a:t>
+            </a:r>
+            <a:r>
+              <a:rPr lang="zh-CN" altLang="en-US" sz="1100"/>
+              <a:t>接收</a:t>
+            </a:r>
+            <a:r>
+              <a:rPr lang="en-US" altLang="zh-CN" sz="1100"/>
+              <a:t>thetaAll</a:t>
+            </a:r>
+            <a:r>
+              <a:rPr lang="zh-CN" altLang="en-US" sz="1100"/>
+              <a:t>，通过斜率条件，符合条件超过</a:t>
+            </a:r>
+            <a:r>
+              <a:rPr lang="en-US" altLang="zh-CN" sz="1100"/>
+              <a:t>150</a:t>
+            </a:r>
+            <a:r>
+              <a:rPr lang="zh-CN" altLang="en-US" sz="1100"/>
+              <a:t>个点，进行最小二乘拟合</a:t>
+            </a:r>
+            <a:r>
+              <a:rPr lang="en-US" altLang="zh-CN" sz="1100"/>
+              <a:t>(myFitLineVP)</a:t>
+            </a:r>
+            <a:endParaRPr lang="en" altLang="zh-CN" sz="1100"/>
+          </a:p>
+        </p:txBody>
+      </p:sp>
+      <p:sp>
+        <p:nvSpPr>
+          <p:cNvPr id="26" name="文本框 25">
+            <a:extLst>
+              <a:ext uri="{FF2B5EF4-FFF2-40B4-BE49-F238E27FC236}">
+                <a16:creationId xmlns:a16="http://schemas.microsoft.com/office/drawing/2014/main" id="{C66C8541-326A-A541-85E6-F8EF322A957E}"/>
+              </a:ext>
+            </a:extLst>
+          </p:cNvPr>
+          <p:cNvSpPr txBox="1"/>
+          <p:nvPr/>
+        </p:nvSpPr>
+        <p:spPr>
+          <a:xfrm>
+            <a:off x="2956954" y="2361463"/>
+            <a:ext cx="2671949" cy="600164"/>
+          </a:xfrm>
+          <a:prstGeom prst="rect">
+            <a:avLst/>
+          </a:prstGeom>
+          <a:noFill/>
+        </p:spPr>
+        <p:txBody>
+          <a:bodyPr wrap="square" rtlCol="0">
+            <a:spAutoFit/>
+          </a:bodyPr>
+          <a:lstStyle/>
+          <a:p>
+            <a:r>
+              <a:rPr lang="en-US" altLang="zh-CN" sz="1100"/>
+              <a:t>myFitLineVP</a:t>
+            </a:r>
+            <a:r>
+              <a:rPr lang="zh-CN" altLang="en-US" sz="1100"/>
+              <a:t>输出</a:t>
+            </a:r>
+            <a:r>
+              <a:rPr lang="en-US" altLang="zh-CN" sz="1100"/>
+              <a:t>K</a:t>
+            </a:r>
+            <a:r>
+              <a:rPr lang="zh-CN" altLang="en-US" sz="1100"/>
+              <a:t>和</a:t>
+            </a:r>
+            <a:r>
+              <a:rPr lang="en-US" altLang="zh-CN" sz="1100"/>
+              <a:t>C</a:t>
+            </a:r>
+          </a:p>
+          <a:p>
+            <a:r>
+              <a:rPr lang="zh-CN" altLang="en" sz="1100"/>
+              <a:t>车道斜率</a:t>
+            </a:r>
+            <a:r>
+              <a:rPr lang="zh-CN" altLang="en-US" sz="1100"/>
+              <a:t>，截距和标志位 左边线和右边线分别进行</a:t>
+            </a:r>
+            <a:endParaRPr lang="en" altLang="zh-CN" sz="1100"/>
+          </a:p>
+        </p:txBody>
+      </p:sp>
+      <p:sp>
+        <p:nvSpPr>
+          <p:cNvPr id="27" name="文本框 26">
+            <a:extLst>
+              <a:ext uri="{FF2B5EF4-FFF2-40B4-BE49-F238E27FC236}">
+                <a16:creationId xmlns:a16="http://schemas.microsoft.com/office/drawing/2014/main" id="{19671F61-C36A-7C48-BFAC-7EBCBC544990}"/>
+              </a:ext>
+            </a:extLst>
+          </p:cNvPr>
+          <p:cNvSpPr txBox="1"/>
+          <p:nvPr/>
+        </p:nvSpPr>
+        <p:spPr>
+          <a:xfrm>
+            <a:off x="2956954" y="2990265"/>
+            <a:ext cx="2765357" cy="600164"/>
+          </a:xfrm>
+          <a:prstGeom prst="rect">
+            <a:avLst/>
+          </a:prstGeom>
+          <a:noFill/>
+        </p:spPr>
+        <p:txBody>
+          <a:bodyPr wrap="square" rtlCol="0">
+            <a:spAutoFit/>
+          </a:bodyPr>
+          <a:lstStyle/>
+          <a:p>
+            <a:r>
+              <a:rPr lang="zh-CN" altLang="en-US" sz="1100"/>
+              <a:t>利用左右都存在的检测线，更新消失点</a:t>
+            </a:r>
+            <a:endParaRPr lang="en-US" altLang="zh-CN" sz="1100"/>
+          </a:p>
+          <a:p>
+            <a:r>
+              <a:rPr lang="zh-CN" altLang="en-US" sz="1100"/>
+              <a:t>先判定消失点是否移动，超过阈值后，更新</a:t>
+            </a:r>
+            <a:r>
+              <a:rPr lang="en-US" altLang="zh-CN" sz="1100"/>
+              <a:t>prePVY</a:t>
+            </a:r>
+            <a:r>
+              <a:rPr lang="zh-CN" altLang="en-US" sz="1100"/>
+              <a:t>和</a:t>
+            </a:r>
+            <a:r>
+              <a:rPr lang="en-US" altLang="zh-CN" sz="1100"/>
+              <a:t>prePXY</a:t>
+            </a:r>
+            <a:endParaRPr lang="en" altLang="zh-CN" sz="1100"/>
+          </a:p>
+        </p:txBody>
+      </p:sp>
+      <p:sp>
+        <p:nvSpPr>
+          <p:cNvPr id="29" name="文本框 28">
+            <a:extLst>
+              <a:ext uri="{FF2B5EF4-FFF2-40B4-BE49-F238E27FC236}">
+                <a16:creationId xmlns:a16="http://schemas.microsoft.com/office/drawing/2014/main" id="{6BC449BA-F2BD-5C4D-BD49-078691F8D551}"/>
+              </a:ext>
+            </a:extLst>
+          </p:cNvPr>
+          <p:cNvSpPr txBox="1"/>
+          <p:nvPr/>
+        </p:nvSpPr>
+        <p:spPr>
+          <a:xfrm>
+            <a:off x="2956954" y="3575862"/>
+            <a:ext cx="2765357" cy="261610"/>
+          </a:xfrm>
+          <a:prstGeom prst="rect">
+            <a:avLst/>
+          </a:prstGeom>
+          <a:noFill/>
+        </p:spPr>
+        <p:txBody>
+          <a:bodyPr wrap="square" rtlCol="0">
+            <a:spAutoFit/>
+          </a:bodyPr>
+          <a:lstStyle/>
+          <a:p>
+            <a:r>
+              <a:rPr lang="zh-CN" altLang="en-US" sz="1100"/>
+              <a:t>更新后消失点后，更新俯仰角</a:t>
+            </a:r>
+            <a:r>
+              <a:rPr lang="en-US" altLang="zh-CN" sz="1100"/>
+              <a:t>CamTheta</a:t>
+            </a:r>
+            <a:r>
+              <a:rPr lang="zh-CN" altLang="en-US" sz="1100"/>
+              <a:t>，</a:t>
+            </a:r>
+            <a:endParaRPr lang="en" altLang="zh-CN" sz="1100"/>
           </a:p>
         </p:txBody>
       </p:sp>
